--- a/Carlos_Ambite_Fernandez.pptx
+++ b/Carlos_Ambite_Fernandez.pptx
@@ -1111,7 +1111,7 @@
             <a:pPr rtl="0"/>
             <a:fld id="{E0C86772-94DE-41DD-845F-738AE05EE900}" type="slidenum">
               <a:rPr lang="es-ES" smtClean="0"/>
-              <a:t>7</a:t>
+              <a:t>8</a:t>
             </a:fld>
             <a:endParaRPr lang="es-ES"/>
           </a:p>
@@ -1196,7 +1196,7 @@
             <a:pPr rtl="0"/>
             <a:fld id="{E0C86772-94DE-41DD-845F-738AE05EE900}" type="slidenum">
               <a:rPr lang="es-ES" smtClean="0"/>
-              <a:t>9</a:t>
+              <a:t>10</a:t>
             </a:fld>
             <a:endParaRPr lang="es-ES"/>
           </a:p>
@@ -1281,7 +1281,7 @@
             <a:pPr rtl="0"/>
             <a:fld id="{E0C86772-94DE-41DD-845F-738AE05EE900}" type="slidenum">
               <a:rPr lang="es-ES" smtClean="0"/>
-              <a:t>12</a:t>
+              <a:t>13</a:t>
             </a:fld>
             <a:endParaRPr lang="es-ES"/>
           </a:p>
@@ -11689,6 +11689,168 @@
           <a:p>
             <a:pPr algn="ctr"/>
             <a:endParaRPr lang="es-ES"/>
+          </a:p>
+        </p:txBody>
+      </p:sp>
+      <p:pic>
+        <p:nvPicPr>
+          <p:cNvPr id="5" name="Imagen 4" descr="Texto&#10;&#10;Descripción generada automáticamente">
+            <a:extLst>
+              <a:ext uri="{FF2B5EF4-FFF2-40B4-BE49-F238E27FC236}">
+                <a16:creationId xmlns:a16="http://schemas.microsoft.com/office/drawing/2014/main" id="{82B996C1-C1A9-4460-B75B-2D100BD91E7E}"/>
+              </a:ext>
+            </a:extLst>
+          </p:cNvPr>
+          <p:cNvPicPr>
+            <a:picLocks noChangeAspect="1"/>
+          </p:cNvPicPr>
+          <p:nvPr/>
+        </p:nvPicPr>
+        <p:blipFill>
+          <a:blip r:embed="rId4"/>
+          <a:stretch>
+            <a:fillRect/>
+          </a:stretch>
+        </p:blipFill>
+        <p:spPr>
+          <a:xfrm>
+            <a:off x="8174927" y="4582868"/>
+            <a:ext cx="3259376" cy="1208332"/>
+          </a:xfrm>
+          <a:prstGeom prst="rect">
+            <a:avLst/>
+          </a:prstGeom>
+        </p:spPr>
+      </p:pic>
+      <p:sp>
+        <p:nvSpPr>
+          <p:cNvPr id="15" name="Arco 14">
+            <a:extLst>
+              <a:ext uri="{FF2B5EF4-FFF2-40B4-BE49-F238E27FC236}">
+                <a16:creationId xmlns:a16="http://schemas.microsoft.com/office/drawing/2014/main" id="{911B8DC9-CD81-4BEA-AA34-39F89F6E83FA}"/>
+              </a:ext>
+            </a:extLst>
+          </p:cNvPr>
+          <p:cNvSpPr/>
+          <p:nvPr/>
+        </p:nvSpPr>
+        <p:spPr>
+          <a:xfrm rot="10340282">
+            <a:off x="4726255" y="5447220"/>
+            <a:ext cx="5144430" cy="230574"/>
+          </a:xfrm>
+          <a:prstGeom prst="arc">
+            <a:avLst>
+              <a:gd name="adj1" fmla="val 16696270"/>
+              <a:gd name="adj2" fmla="val 11365"/>
+            </a:avLst>
+          </a:prstGeom>
+          <a:ln>
+            <a:solidFill>
+              <a:schemeClr val="bg1"/>
+            </a:solidFill>
+          </a:ln>
+          <a:effectLst>
+            <a:glow rad="228600">
+              <a:schemeClr val="accent1">
+                <a:satMod val="175000"/>
+                <a:alpha val="40000"/>
+              </a:schemeClr>
+            </a:glow>
+            <a:outerShdw blurRad="76200" dir="13500000" sy="23000" kx="1200000" algn="br" rotWithShape="0">
+              <a:prstClr val="black">
+                <a:alpha val="20000"/>
+              </a:prstClr>
+            </a:outerShdw>
+          </a:effectLst>
+        </p:spPr>
+        <p:style>
+          <a:lnRef idx="1">
+            <a:schemeClr val="accent1"/>
+          </a:lnRef>
+          <a:fillRef idx="0">
+            <a:schemeClr val="accent1"/>
+          </a:fillRef>
+          <a:effectRef idx="0">
+            <a:schemeClr val="accent1"/>
+          </a:effectRef>
+          <a:fontRef idx="minor">
+            <a:schemeClr val="tx1"/>
+          </a:fontRef>
+        </p:style>
+        <p:txBody>
+          <a:bodyPr rtlCol="0" anchor="ctr"/>
+          <a:lstStyle/>
+          <a:p>
+            <a:pPr algn="ctr"/>
+            <a:endParaRPr lang="es-ES"/>
+          </a:p>
+        </p:txBody>
+      </p:sp>
+      <p:sp>
+        <p:nvSpPr>
+          <p:cNvPr id="18" name="Triángulo isósceles 17">
+            <a:extLst>
+              <a:ext uri="{FF2B5EF4-FFF2-40B4-BE49-F238E27FC236}">
+                <a16:creationId xmlns:a16="http://schemas.microsoft.com/office/drawing/2014/main" id="{04075F2A-C86F-40F2-8F70-BBF8EE4163A1}"/>
+              </a:ext>
+            </a:extLst>
+          </p:cNvPr>
+          <p:cNvSpPr/>
+          <p:nvPr/>
+        </p:nvSpPr>
+        <p:spPr>
+          <a:xfrm rot="4816797">
+            <a:off x="7213451" y="5503249"/>
+            <a:ext cx="526875" cy="329120"/>
+          </a:xfrm>
+          <a:prstGeom prst="triangle">
+            <a:avLst/>
+          </a:prstGeom>
+          <a:solidFill>
+            <a:schemeClr val="bg1"/>
+          </a:solidFill>
+          <a:ln>
+            <a:solidFill>
+              <a:schemeClr val="bg1"/>
+            </a:solidFill>
+          </a:ln>
+          <a:effectLst>
+            <a:glow rad="228600">
+              <a:schemeClr val="accent2">
+                <a:satMod val="175000"/>
+                <a:alpha val="40000"/>
+              </a:schemeClr>
+            </a:glow>
+            <a:outerShdw blurRad="76200" dir="13500000" sy="23000" kx="1200000" algn="br" rotWithShape="0">
+              <a:prstClr val="black">
+                <a:alpha val="20000"/>
+              </a:prstClr>
+            </a:outerShdw>
+          </a:effectLst>
+        </p:spPr>
+        <p:style>
+          <a:lnRef idx="2">
+            <a:schemeClr val="accent1">
+              <a:shade val="50000"/>
+            </a:schemeClr>
+          </a:lnRef>
+          <a:fillRef idx="1">
+            <a:schemeClr val="accent1"/>
+          </a:fillRef>
+          <a:effectRef idx="0">
+            <a:schemeClr val="accent1"/>
+          </a:effectRef>
+          <a:fontRef idx="minor">
+            <a:schemeClr val="lt1"/>
+          </a:fontRef>
+        </p:style>
+        <p:txBody>
+          <a:bodyPr rtlCol="0" anchor="ctr"/>
+          <a:lstStyle/>
+          <a:p>
+            <a:pPr algn="ctr"/>
+            <a:endParaRPr lang="es-ES" dirty="0"/>
           </a:p>
         </p:txBody>
       </p:sp>
@@ -15496,8 +15658,8 @@
         </p:nvSpPr>
         <p:spPr>
           <a:xfrm>
-            <a:off x="4074851" y="431449"/>
-            <a:ext cx="6430110" cy="2658144"/>
+            <a:off x="4074850" y="431449"/>
+            <a:ext cx="7052165" cy="3166436"/>
           </a:xfrm>
           <a:prstGeom prst="roundRect">
             <a:avLst/>
@@ -15546,7 +15708,7 @@
         </p:nvSpPr>
         <p:spPr>
           <a:xfrm>
-            <a:off x="7196701" y="1409374"/>
+            <a:off x="8004569" y="1564673"/>
             <a:ext cx="3221662" cy="625486"/>
           </a:xfrm>
         </p:spPr>
@@ -15840,8 +16002,8 @@
         </p:nvSpPr>
         <p:spPr>
           <a:xfrm>
-            <a:off x="686370" y="3504865"/>
-            <a:ext cx="5541143" cy="2658144"/>
+            <a:off x="158014" y="3667047"/>
+            <a:ext cx="6285389" cy="3073535"/>
           </a:xfrm>
           <a:prstGeom prst="roundRect">
             <a:avLst/>
@@ -15886,7 +16048,7 @@
         </p:nvSpPr>
         <p:spPr>
           <a:xfrm>
-            <a:off x="1064984" y="3667047"/>
+            <a:off x="434727" y="3929995"/>
             <a:ext cx="353544" cy="346229"/>
           </a:xfrm>
           <a:prstGeom prst="ellipse">
@@ -15942,7 +16104,7 @@
         </p:nvSpPr>
         <p:spPr>
           <a:xfrm>
-            <a:off x="1064984" y="3577211"/>
+            <a:off x="434727" y="3840159"/>
             <a:ext cx="435174" cy="525899"/>
           </a:xfrm>
           <a:prstGeom prst="rect">
@@ -16117,7 +16279,7 @@
           </a:lstStyle>
           <a:p>
             <a:r>
-              <a:rPr lang="es-ES" sz="2000"/>
+              <a:rPr lang="es-ES" sz="2000" dirty="0"/>
               <a:t>2</a:t>
             </a:r>
           </a:p>
@@ -16139,7 +16301,7 @@
         </p:nvSpPr>
         <p:spPr>
           <a:xfrm>
-            <a:off x="3209199" y="4597802"/>
+            <a:off x="3525758" y="4818431"/>
             <a:ext cx="2917645" cy="625486"/>
           </a:xfrm>
           <a:prstGeom prst="rect">
@@ -16404,7 +16566,7 @@
         </p:nvSpPr>
         <p:spPr>
           <a:xfrm rot="5400000">
-            <a:off x="5705594" y="1141015"/>
+            <a:off x="6089338" y="1528132"/>
             <a:ext cx="3279582" cy="3772541"/>
           </a:xfrm>
           <a:prstGeom prst="arc">
@@ -16469,7 +16631,7 @@
         </p:nvSpPr>
         <p:spPr>
           <a:xfrm rot="16200000">
-            <a:off x="6623123" y="4326553"/>
+            <a:off x="7075322" y="4713671"/>
             <a:ext cx="763480" cy="681045"/>
           </a:xfrm>
           <a:prstGeom prst="triangle">
@@ -16522,6 +16684,66 @@
           </a:p>
         </p:txBody>
       </p:sp>
+      <p:pic>
+        <p:nvPicPr>
+          <p:cNvPr id="9" name="Imagen 8" descr="Texto&#10;&#10;Descripción generada automáticamente">
+            <a:extLst>
+              <a:ext uri="{FF2B5EF4-FFF2-40B4-BE49-F238E27FC236}">
+                <a16:creationId xmlns:a16="http://schemas.microsoft.com/office/drawing/2014/main" id="{7FA615CF-E02A-4098-BC87-A59DD9CFC6B1}"/>
+              </a:ext>
+            </a:extLst>
+          </p:cNvPr>
+          <p:cNvPicPr>
+            <a:picLocks noChangeAspect="1"/>
+          </p:cNvPicPr>
+          <p:nvPr/>
+        </p:nvPicPr>
+        <p:blipFill>
+          <a:blip r:embed="rId2"/>
+          <a:stretch>
+            <a:fillRect/>
+          </a:stretch>
+        </p:blipFill>
+        <p:spPr>
+          <a:xfrm>
+            <a:off x="4448936" y="928149"/>
+            <a:ext cx="3494679" cy="2302769"/>
+          </a:xfrm>
+          <a:prstGeom prst="rect">
+            <a:avLst/>
+          </a:prstGeom>
+        </p:spPr>
+      </p:pic>
+      <p:pic>
+        <p:nvPicPr>
+          <p:cNvPr id="11" name="Imagen 10" descr="Texto&#10;&#10;Descripción generada automáticamente">
+            <a:extLst>
+              <a:ext uri="{FF2B5EF4-FFF2-40B4-BE49-F238E27FC236}">
+                <a16:creationId xmlns:a16="http://schemas.microsoft.com/office/drawing/2014/main" id="{0D7737F1-1DCF-4389-919C-0A46233028A7}"/>
+              </a:ext>
+            </a:extLst>
+          </p:cNvPr>
+          <p:cNvPicPr>
+            <a:picLocks noChangeAspect="1"/>
+          </p:cNvPicPr>
+          <p:nvPr/>
+        </p:nvPicPr>
+        <p:blipFill>
+          <a:blip r:embed="rId3"/>
+          <a:stretch>
+            <a:fillRect/>
+          </a:stretch>
+        </p:blipFill>
+        <p:spPr>
+          <a:xfrm>
+            <a:off x="244779" y="4276224"/>
+            <a:ext cx="3254341" cy="2135662"/>
+          </a:xfrm>
+          <a:prstGeom prst="rect">
+            <a:avLst/>
+          </a:prstGeom>
+        </p:spPr>
+      </p:pic>
     </p:spTree>
     <p:extLst>
       <p:ext uri="{BB962C8B-B14F-4D97-AF65-F5344CB8AC3E}">
@@ -17842,6 +18064,66 @@
           </a:p>
         </p:txBody>
       </p:sp>
+      <p:pic>
+        <p:nvPicPr>
+          <p:cNvPr id="16" name="Imagen 15" descr="Texto&#10;&#10;Descripción generada automáticamente">
+            <a:extLst>
+              <a:ext uri="{FF2B5EF4-FFF2-40B4-BE49-F238E27FC236}">
+                <a16:creationId xmlns:a16="http://schemas.microsoft.com/office/drawing/2014/main" id="{2AFE95E6-5368-40A8-A3F0-89D4773E0C7D}"/>
+              </a:ext>
+            </a:extLst>
+          </p:cNvPr>
+          <p:cNvPicPr>
+            <a:picLocks noChangeAspect="1"/>
+          </p:cNvPicPr>
+          <p:nvPr/>
+        </p:nvPicPr>
+        <p:blipFill>
+          <a:blip r:embed="rId2"/>
+          <a:stretch>
+            <a:fillRect/>
+          </a:stretch>
+        </p:blipFill>
+        <p:spPr>
+          <a:xfrm>
+            <a:off x="6516124" y="1362896"/>
+            <a:ext cx="2428384" cy="1600149"/>
+          </a:xfrm>
+          <a:prstGeom prst="rect">
+            <a:avLst/>
+          </a:prstGeom>
+        </p:spPr>
+      </p:pic>
+      <p:pic>
+        <p:nvPicPr>
+          <p:cNvPr id="18" name="Imagen 17" descr="Texto&#10;&#10;Descripción generada automáticamente">
+            <a:extLst>
+              <a:ext uri="{FF2B5EF4-FFF2-40B4-BE49-F238E27FC236}">
+                <a16:creationId xmlns:a16="http://schemas.microsoft.com/office/drawing/2014/main" id="{0B574077-D8AB-4C8A-AEA9-D892AE2D50F2}"/>
+              </a:ext>
+            </a:extLst>
+          </p:cNvPr>
+          <p:cNvPicPr>
+            <a:picLocks noChangeAspect="1"/>
+          </p:cNvPicPr>
+          <p:nvPr/>
+        </p:nvPicPr>
+        <p:blipFill>
+          <a:blip r:embed="rId3"/>
+          <a:stretch>
+            <a:fillRect/>
+          </a:stretch>
+        </p:blipFill>
+        <p:spPr>
+          <a:xfrm>
+            <a:off x="1180435" y="4379929"/>
+            <a:ext cx="2522576" cy="1655441"/>
+          </a:xfrm>
+          <a:prstGeom prst="rect">
+            <a:avLst/>
+          </a:prstGeom>
+        </p:spPr>
+      </p:pic>
     </p:spTree>
     <p:extLst>
       <p:ext uri="{BB962C8B-B14F-4D97-AF65-F5344CB8AC3E}">
@@ -18647,6 +18929,23 @@
 </file>
 
 <file path=customXml/item1.xml><?xml version="1.0" encoding="utf-8"?>
+<p:properties xmlns:p="http://schemas.microsoft.com/office/2006/metadata/properties" xmlns:xsi="http://www.w3.org/2001/XMLSchema-instance" xmlns:pc="http://schemas.microsoft.com/office/infopath/2007/PartnerControls">
+  <documentManagement>
+    <_activity xmlns="e334ea19-8285-4f2d-ba9c-4a0cb6212dbf" xsi:nil="true"/>
+  </documentManagement>
+</p:properties>
+</file>
+
+<file path=customXml/item2.xml><?xml version="1.0" encoding="utf-8"?>
+<?mso-contentType ?>
+<FormTemplates xmlns="http://schemas.microsoft.com/sharepoint/v3/contenttype/forms">
+  <Display>DocumentLibraryForm</Display>
+  <Edit>DocumentLibraryForm</Edit>
+  <New>DocumentLibraryForm</New>
+</FormTemplates>
+</file>
+
+<file path=customXml/item3.xml><?xml version="1.0" encoding="utf-8"?>
 <ct:contentTypeSchema xmlns:ct="http://schemas.microsoft.com/office/2006/metadata/contentType" xmlns:ma="http://schemas.microsoft.com/office/2006/metadata/properties/metaAttributes" ct:_="" ma:_="" ma:contentTypeName="Documento" ma:contentTypeID="0x010100597100C63C869C4782FE0C3A5C131ABF" ma:contentTypeVersion="3" ma:contentTypeDescription="Crear nuevo documento." ma:contentTypeScope="" ma:versionID="e5eeb8cd2a1f37eb8871218caf641062">
   <xsd:schema xmlns:xsd="http://www.w3.org/2001/XMLSchema" xmlns:xs="http://www.w3.org/2001/XMLSchema" xmlns:p="http://schemas.microsoft.com/office/2006/metadata/properties" xmlns:ns3="e334ea19-8285-4f2d-ba9c-4a0cb6212dbf" targetNamespace="http://schemas.microsoft.com/office/2006/metadata/properties" ma:root="true" ma:fieldsID="05bc78fcaa37b84fbe1d18df95c6895e" ns3:_="">
     <xsd:import namespace="e334ea19-8285-4f2d-ba9c-4a0cb6212dbf"/>
@@ -18784,24 +19083,31 @@
 </ct:contentTypeSchema>
 </file>
 
-<file path=customXml/item2.xml><?xml version="1.0" encoding="utf-8"?>
-<?mso-contentType ?>
-<FormTemplates xmlns="http://schemas.microsoft.com/sharepoint/v3/contenttype/forms">
-  <Display>DocumentLibraryForm</Display>
-  <Edit>DocumentLibraryForm</Edit>
-  <New>DocumentLibraryForm</New>
-</FormTemplates>
+<file path=customXml/itemProps1.xml><?xml version="1.0" encoding="utf-8"?>
+<ds:datastoreItem xmlns:ds="http://schemas.openxmlformats.org/officeDocument/2006/customXml" ds:itemID="{45621FE4-3184-49E6-95AD-A045530002EF}">
+  <ds:schemaRefs>
+    <ds:schemaRef ds:uri="e334ea19-8285-4f2d-ba9c-4a0cb6212dbf"/>
+    <ds:schemaRef ds:uri="http://purl.org/dc/dcmitype/"/>
+    <ds:schemaRef ds:uri="http://purl.org/dc/elements/1.1/"/>
+    <ds:schemaRef ds:uri="http://purl.org/dc/terms/"/>
+    <ds:schemaRef ds:uri="http://schemas.microsoft.com/office/2006/documentManagement/types"/>
+    <ds:schemaRef ds:uri="http://schemas.microsoft.com/office/2006/metadata/properties"/>
+    <ds:schemaRef ds:uri="http://schemas.microsoft.com/office/infopath/2007/PartnerControls"/>
+    <ds:schemaRef ds:uri="http://schemas.openxmlformats.org/package/2006/metadata/core-properties"/>
+    <ds:schemaRef ds:uri="http://www.w3.org/XML/1998/namespace"/>
+  </ds:schemaRefs>
+</ds:datastoreItem>
 </file>
 
-<file path=customXml/item3.xml><?xml version="1.0" encoding="utf-8"?>
-<p:properties xmlns:p="http://schemas.microsoft.com/office/2006/metadata/properties" xmlns:xsi="http://www.w3.org/2001/XMLSchema-instance" xmlns:pc="http://schemas.microsoft.com/office/infopath/2007/PartnerControls">
-  <documentManagement>
-    <_activity xmlns="e334ea19-8285-4f2d-ba9c-4a0cb6212dbf" xsi:nil="true"/>
-  </documentManagement>
-</p:properties>
+<file path=customXml/itemProps2.xml><?xml version="1.0" encoding="utf-8"?>
+<ds:datastoreItem xmlns:ds="http://schemas.openxmlformats.org/officeDocument/2006/customXml" ds:itemID="{10F98B39-7EBA-4823-84A5-26F47879986F}">
+  <ds:schemaRefs>
+    <ds:schemaRef ds:uri="http://schemas.microsoft.com/sharepoint/v3/contenttype/forms"/>
+  </ds:schemaRefs>
+</ds:datastoreItem>
 </file>
 
-<file path=customXml/itemProps1.xml><?xml version="1.0" encoding="utf-8"?>
+<file path=customXml/itemProps3.xml><?xml version="1.0" encoding="utf-8"?>
 <ds:datastoreItem xmlns:ds="http://schemas.openxmlformats.org/officeDocument/2006/customXml" ds:itemID="{02027C22-4AC2-4AC0-AE8F-3882D0E21C39}">
   <ds:schemaRefs>
     <ds:schemaRef ds:uri="e334ea19-8285-4f2d-ba9c-4a0cb6212dbf"/>
@@ -18819,30 +19125,6 @@
 </ds:datastoreItem>
 </file>
 
-<file path=customXml/itemProps2.xml><?xml version="1.0" encoding="utf-8"?>
-<ds:datastoreItem xmlns:ds="http://schemas.openxmlformats.org/officeDocument/2006/customXml" ds:itemID="{10F98B39-7EBA-4823-84A5-26F47879986F}">
-  <ds:schemaRefs>
-    <ds:schemaRef ds:uri="http://schemas.microsoft.com/sharepoint/v3/contenttype/forms"/>
-  </ds:schemaRefs>
-</ds:datastoreItem>
-</file>
-
-<file path=customXml/itemProps3.xml><?xml version="1.0" encoding="utf-8"?>
-<ds:datastoreItem xmlns:ds="http://schemas.openxmlformats.org/officeDocument/2006/customXml" ds:itemID="{45621FE4-3184-49E6-95AD-A045530002EF}">
-  <ds:schemaRefs>
-    <ds:schemaRef ds:uri="e334ea19-8285-4f2d-ba9c-4a0cb6212dbf"/>
-    <ds:schemaRef ds:uri="http://purl.org/dc/dcmitype/"/>
-    <ds:schemaRef ds:uri="http://purl.org/dc/elements/1.1/"/>
-    <ds:schemaRef ds:uri="http://purl.org/dc/terms/"/>
-    <ds:schemaRef ds:uri="http://schemas.microsoft.com/office/2006/documentManagement/types"/>
-    <ds:schemaRef ds:uri="http://schemas.microsoft.com/office/2006/metadata/properties"/>
-    <ds:schemaRef ds:uri="http://schemas.microsoft.com/office/infopath/2007/PartnerControls"/>
-    <ds:schemaRef ds:uri="http://schemas.openxmlformats.org/package/2006/metadata/core-properties"/>
-    <ds:schemaRef ds:uri="http://www.w3.org/XML/1998/namespace"/>
-  </ds:schemaRefs>
-</ds:datastoreItem>
-</file>
-
 <file path=docMetadata/LabelInfo.xml><?xml version="1.0" encoding="utf-8"?>
 <clbl:labelList xmlns:clbl="http://schemas.microsoft.com/office/2020/mipLabelMetadata">
   <clbl:label id="{f42aa342-8706-4288-bd11-ebb85995028c}" enabled="1" method="Standard" siteId="{72f988bf-86f1-41af-91ab-2d7cd011db47}" removed="0"/>
